--- a/resources/ppt-slides/control-flow-for-loop.pptx
+++ b/resources/ppt-slides/control-flow-for-loop.pptx
@@ -252,7 +252,7 @@
           <a:p>
             <a:fld id="{964302DC-9F53-934F-AE4D-0F1F197008C1}" type="datetimeFigureOut">
               <a:rPr lang="en-US" smtClean="0"/>
-              <a:t>2/9/24</a:t>
+              <a:t>10/19/23</a:t>
             </a:fld>
             <a:endParaRPr lang="en-US"/>
           </a:p>
@@ -422,7 +422,7 @@
           <a:p>
             <a:fld id="{964302DC-9F53-934F-AE4D-0F1F197008C1}" type="datetimeFigureOut">
               <a:rPr lang="en-US" smtClean="0"/>
-              <a:t>2/9/24</a:t>
+              <a:t>10/19/23</a:t>
             </a:fld>
             <a:endParaRPr lang="en-US"/>
           </a:p>
@@ -602,7 +602,7 @@
           <a:p>
             <a:fld id="{964302DC-9F53-934F-AE4D-0F1F197008C1}" type="datetimeFigureOut">
               <a:rPr lang="en-US" smtClean="0"/>
-              <a:t>2/9/24</a:t>
+              <a:t>10/19/23</a:t>
             </a:fld>
             <a:endParaRPr lang="en-US"/>
           </a:p>
@@ -772,7 +772,7 @@
           <a:p>
             <a:fld id="{964302DC-9F53-934F-AE4D-0F1F197008C1}" type="datetimeFigureOut">
               <a:rPr lang="en-US" smtClean="0"/>
-              <a:t>2/9/24</a:t>
+              <a:t>10/19/23</a:t>
             </a:fld>
             <a:endParaRPr lang="en-US"/>
           </a:p>
@@ -1016,7 +1016,7 @@
           <a:p>
             <a:fld id="{964302DC-9F53-934F-AE4D-0F1F197008C1}" type="datetimeFigureOut">
               <a:rPr lang="en-US" smtClean="0"/>
-              <a:t>2/9/24</a:t>
+              <a:t>10/19/23</a:t>
             </a:fld>
             <a:endParaRPr lang="en-US"/>
           </a:p>
@@ -1248,7 +1248,7 @@
           <a:p>
             <a:fld id="{964302DC-9F53-934F-AE4D-0F1F197008C1}" type="datetimeFigureOut">
               <a:rPr lang="en-US" smtClean="0"/>
-              <a:t>2/9/24</a:t>
+              <a:t>10/19/23</a:t>
             </a:fld>
             <a:endParaRPr lang="en-US"/>
           </a:p>
@@ -1615,7 +1615,7 @@
           <a:p>
             <a:fld id="{964302DC-9F53-934F-AE4D-0F1F197008C1}" type="datetimeFigureOut">
               <a:rPr lang="en-US" smtClean="0"/>
-              <a:t>2/9/24</a:t>
+              <a:t>10/19/23</a:t>
             </a:fld>
             <a:endParaRPr lang="en-US"/>
           </a:p>
@@ -1733,7 +1733,7 @@
           <a:p>
             <a:fld id="{964302DC-9F53-934F-AE4D-0F1F197008C1}" type="datetimeFigureOut">
               <a:rPr lang="en-US" smtClean="0"/>
-              <a:t>2/9/24</a:t>
+              <a:t>10/19/23</a:t>
             </a:fld>
             <a:endParaRPr lang="en-US"/>
           </a:p>
@@ -1828,7 +1828,7 @@
           <a:p>
             <a:fld id="{964302DC-9F53-934F-AE4D-0F1F197008C1}" type="datetimeFigureOut">
               <a:rPr lang="en-US" smtClean="0"/>
-              <a:t>2/9/24</a:t>
+              <a:t>10/19/23</a:t>
             </a:fld>
             <a:endParaRPr lang="en-US"/>
           </a:p>
@@ -2105,7 +2105,7 @@
           <a:p>
             <a:fld id="{964302DC-9F53-934F-AE4D-0F1F197008C1}" type="datetimeFigureOut">
               <a:rPr lang="en-US" smtClean="0"/>
-              <a:t>2/9/24</a:t>
+              <a:t>10/19/23</a:t>
             </a:fld>
             <a:endParaRPr lang="en-US"/>
           </a:p>
@@ -2362,7 +2362,7 @@
           <a:p>
             <a:fld id="{964302DC-9F53-934F-AE4D-0F1F197008C1}" type="datetimeFigureOut">
               <a:rPr lang="en-US" smtClean="0"/>
-              <a:t>2/9/24</a:t>
+              <a:t>10/19/23</a:t>
             </a:fld>
             <a:endParaRPr lang="en-US"/>
           </a:p>
@@ -2427,18 +2427,9 @@
 <p:sldMaster xmlns:a="http://schemas.openxmlformats.org/drawingml/2006/main" xmlns:r="http://schemas.openxmlformats.org/officeDocument/2006/relationships" xmlns:p="http://schemas.openxmlformats.org/presentationml/2006/main">
   <p:cSld>
     <p:bg>
-      <p:bgPr>
-        <a:blipFill dpi="0" rotWithShape="1">
-          <a:blip r:embed="rId13">
-            <a:lum/>
-          </a:blip>
-          <a:srcRect/>
-          <a:stretch>
-            <a:fillRect/>
-          </a:stretch>
-        </a:blipFill>
-        <a:effectLst/>
-      </p:bgPr>
+      <p:bgRef idx="1001">
+        <a:schemeClr val="bg1"/>
+      </p:bgRef>
     </p:bg>
     <p:spTree>
       <p:nvGrpSpPr>
@@ -2584,7 +2575,7 @@
           <a:p>
             <a:fld id="{964302DC-9F53-934F-AE4D-0F1F197008C1}" type="datetimeFigureOut">
               <a:rPr lang="en-US" smtClean="0"/>
-              <a:t>2/9/24</a:t>
+              <a:t>10/19/23</a:t>
             </a:fld>
             <a:endParaRPr lang="en-US"/>
           </a:p>
@@ -2975,6 +2966,20 @@
 <file path=ppt/slides/slide1.xml><?xml version="1.0" encoding="utf-8"?>
 <p:sld xmlns:a="http://schemas.openxmlformats.org/drawingml/2006/main" xmlns:r="http://schemas.openxmlformats.org/officeDocument/2006/relationships" xmlns:p="http://schemas.openxmlformats.org/presentationml/2006/main">
   <p:cSld>
+    <p:bg>
+      <p:bgPr>
+        <a:blipFill dpi="0" rotWithShape="1">
+          <a:blip r:embed="rId2">
+            <a:lum/>
+          </a:blip>
+          <a:srcRect/>
+          <a:stretch>
+            <a:fillRect/>
+          </a:stretch>
+        </a:blipFill>
+        <a:effectLst/>
+      </p:bgPr>
+    </p:bg>
     <p:spTree>
       <p:nvGrpSpPr>
         <p:cNvPr id="1" name=""/>
@@ -3103,7 +3108,7 @@
                     </a:schemeClr>
                   </a:solidFill>
                 </a:rPr>
-                <a:t>for (int </a:t>
+                <a:t>for(int </a:t>
               </a:r>
               <a:r>
                 <a:rPr lang="en-AU" sz="1600" dirty="0" err="1">
@@ -3195,7 +3200,7 @@
                     </a:schemeClr>
                   </a:solidFill>
                 </a:rPr>
-                <a:t>    WriteLine(</a:t>
+                <a:t>  WriteLine(</a:t>
               </a:r>
               <a:r>
                 <a:rPr lang="en-AU" sz="1600" dirty="0" err="1">
@@ -3288,7 +3293,7 @@
               <p:nvPr/>
             </p:nvPicPr>
             <p:blipFill>
-              <a:blip r:embed="rId2">
+              <a:blip r:embed="rId3">
                 <a:alphaModFix amt="30000"/>
               </a:blip>
               <a:stretch>
@@ -5378,7 +5383,7 @@
             <p:nvPr/>
           </p:nvPicPr>
           <p:blipFill>
-            <a:blip r:embed="rId3">
+            <a:blip r:embed="rId4">
               <a:alphaModFix amt="30000"/>
             </a:blip>
             <a:stretch>
@@ -5699,6 +5704,20 @@
 <file path=ppt/slides/slide10.xml><?xml version="1.0" encoding="utf-8"?>
 <p:sld xmlns:a="http://schemas.openxmlformats.org/drawingml/2006/main" xmlns:r="http://schemas.openxmlformats.org/officeDocument/2006/relationships" xmlns:p="http://schemas.openxmlformats.org/presentationml/2006/main">
   <p:cSld>
+    <p:bg>
+      <p:bgPr>
+        <a:blipFill dpi="0" rotWithShape="1">
+          <a:blip r:embed="rId2">
+            <a:lum/>
+          </a:blip>
+          <a:srcRect/>
+          <a:stretch>
+            <a:fillRect/>
+          </a:stretch>
+        </a:blipFill>
+        <a:effectLst/>
+      </p:bgPr>
+    </p:bg>
     <p:spTree>
       <p:nvGrpSpPr>
         <p:cNvPr id="1" name=""/>
@@ -5928,7 +5947,7 @@
                     </a:schemeClr>
                   </a:solidFill>
                 </a:rPr>
-                <a:t>for (int </a:t>
+                <a:t>for(int </a:t>
               </a:r>
               <a:r>
                 <a:rPr lang="en-AU" sz="1600" dirty="0" err="1">
@@ -6020,7 +6039,7 @@
                     </a:schemeClr>
                   </a:solidFill>
                 </a:rPr>
-                <a:t>    WriteLine(</a:t>
+                <a:t>  WriteLine(</a:t>
               </a:r>
               <a:r>
                 <a:rPr lang="en-AU" sz="1600" dirty="0" err="1">
@@ -6110,7 +6129,7 @@
               <p:nvPr/>
             </p:nvPicPr>
             <p:blipFill>
-              <a:blip r:embed="rId2">
+              <a:blip r:embed="rId3">
                 <a:alphaModFix amt="30000"/>
               </a:blip>
               <a:stretch>
@@ -8160,7 +8179,7 @@
             <p:nvPr/>
           </p:nvPicPr>
           <p:blipFill>
-            <a:blip r:embed="rId3">
+            <a:blip r:embed="rId4">
               <a:alphaModFix/>
             </a:blip>
             <a:stretch>
@@ -8829,6 +8848,20 @@
 <file path=ppt/slides/slide2.xml><?xml version="1.0" encoding="utf-8"?>
 <p:sld xmlns:a="http://schemas.openxmlformats.org/drawingml/2006/main" xmlns:r="http://schemas.openxmlformats.org/officeDocument/2006/relationships" xmlns:p="http://schemas.openxmlformats.org/presentationml/2006/main">
   <p:cSld>
+    <p:bg>
+      <p:bgPr>
+        <a:blipFill dpi="0" rotWithShape="1">
+          <a:blip r:embed="rId2">
+            <a:lum/>
+          </a:blip>
+          <a:srcRect/>
+          <a:stretch>
+            <a:fillRect/>
+          </a:stretch>
+        </a:blipFill>
+        <a:effectLst/>
+      </p:bgPr>
+    </p:bg>
     <p:spTree>
       <p:nvGrpSpPr>
         <p:cNvPr id="1" name=""/>
@@ -9022,7 +9055,7 @@
               </a:pPr>
               <a:r>
                 <a:rPr lang="en-AU" sz="1600" dirty="0"/>
-                <a:t>for (</a:t>
+                <a:t>for(</a:t>
               </a:r>
               <a:r>
                 <a:rPr lang="en-AU" sz="1600" dirty="0">
@@ -9132,7 +9165,7 @@
                     </a:schemeClr>
                   </a:solidFill>
                 </a:rPr>
-                <a:t>    WriteLine(</a:t>
+                <a:t>  WriteLine(</a:t>
               </a:r>
               <a:r>
                 <a:rPr lang="en-AU" sz="1600" dirty="0" err="1">
@@ -9229,7 +9262,7 @@
               <p:nvPr/>
             </p:nvPicPr>
             <p:blipFill>
-              <a:blip r:embed="rId2">
+              <a:blip r:embed="rId3">
                 <a:alphaModFix amt="30000"/>
               </a:blip>
               <a:stretch>
@@ -11333,7 +11366,7 @@
             <p:nvPr/>
           </p:nvPicPr>
           <p:blipFill>
-            <a:blip r:embed="rId3">
+            <a:blip r:embed="rId4">
               <a:alphaModFix amt="30000"/>
             </a:blip>
             <a:stretch>
@@ -11991,6 +12024,20 @@
 <file path=ppt/slides/slide3.xml><?xml version="1.0" encoding="utf-8"?>
 <p:sld xmlns:a="http://schemas.openxmlformats.org/drawingml/2006/main" xmlns:r="http://schemas.openxmlformats.org/officeDocument/2006/relationships" xmlns:p="http://schemas.openxmlformats.org/presentationml/2006/main">
   <p:cSld>
+    <p:bg>
+      <p:bgPr>
+        <a:blipFill dpi="0" rotWithShape="1">
+          <a:blip r:embed="rId2">
+            <a:lum/>
+          </a:blip>
+          <a:srcRect/>
+          <a:stretch>
+            <a:fillRect/>
+          </a:stretch>
+        </a:blipFill>
+        <a:effectLst/>
+      </p:bgPr>
+    </p:bg>
     <p:spTree>
       <p:nvGrpSpPr>
         <p:cNvPr id="1" name=""/>
@@ -12184,7 +12231,7 @@
               </a:pPr>
               <a:r>
                 <a:rPr lang="en-AU" sz="1600" dirty="0"/>
-                <a:t>for (</a:t>
+                <a:t>for(</a:t>
               </a:r>
               <a:r>
                 <a:rPr lang="en-AU" sz="1600" dirty="0">
@@ -12304,7 +12351,7 @@
                     </a:schemeClr>
                   </a:solidFill>
                 </a:rPr>
-                <a:t>    WriteLine(</a:t>
+                <a:t>  WriteLine(</a:t>
               </a:r>
               <a:r>
                 <a:rPr lang="en-AU" sz="1600" dirty="0" err="1">
@@ -12401,7 +12448,7 @@
               <p:nvPr/>
             </p:nvPicPr>
             <p:blipFill>
-              <a:blip r:embed="rId2">
+              <a:blip r:embed="rId3">
                 <a:alphaModFix amt="30000"/>
               </a:blip>
               <a:stretch>
@@ -14501,7 +14548,7 @@
             <p:nvPr/>
           </p:nvPicPr>
           <p:blipFill>
-            <a:blip r:embed="rId3">
+            <a:blip r:embed="rId4">
               <a:alphaModFix amt="30000"/>
             </a:blip>
             <a:stretch>
@@ -15205,6 +15252,20 @@
 <file path=ppt/slides/slide4.xml><?xml version="1.0" encoding="utf-8"?>
 <p:sld xmlns:a="http://schemas.openxmlformats.org/drawingml/2006/main" xmlns:r="http://schemas.openxmlformats.org/officeDocument/2006/relationships" xmlns:p="http://schemas.openxmlformats.org/presentationml/2006/main">
   <p:cSld>
+    <p:bg>
+      <p:bgPr>
+        <a:blipFill dpi="0" rotWithShape="1">
+          <a:blip r:embed="rId2">
+            <a:lum/>
+          </a:blip>
+          <a:srcRect/>
+          <a:stretch>
+            <a:fillRect/>
+          </a:stretch>
+        </a:blipFill>
+        <a:effectLst/>
+      </p:bgPr>
+    </p:bg>
     <p:spTree>
       <p:nvGrpSpPr>
         <p:cNvPr id="1" name=""/>
@@ -15410,7 +15471,7 @@
                     </a:schemeClr>
                   </a:solidFill>
                 </a:rPr>
-                <a:t>for (int </a:t>
+                <a:t>for(int </a:t>
               </a:r>
               <a:r>
                 <a:rPr lang="en-AU" sz="1600" dirty="0" err="1">
@@ -15490,7 +15551,7 @@
               </a:pPr>
               <a:r>
                 <a:rPr lang="en-AU" sz="1600" dirty="0"/>
-                <a:t>    WriteLine(</a:t>
+                <a:t>  WriteLine(</a:t>
               </a:r>
               <a:r>
                 <a:rPr lang="en-AU" sz="1600" dirty="0" err="1"/>
@@ -15575,7 +15636,7 @@
               <p:nvPr/>
             </p:nvPicPr>
             <p:blipFill>
-              <a:blip r:embed="rId2">
+              <a:blip r:embed="rId3">
                 <a:alphaModFix amt="30000"/>
               </a:blip>
               <a:stretch>
@@ -17670,7 +17731,7 @@
             <p:nvPr/>
           </p:nvPicPr>
           <p:blipFill>
-            <a:blip r:embed="rId3">
+            <a:blip r:embed="rId4">
               <a:alphaModFix/>
             </a:blip>
             <a:stretch>
@@ -18268,6 +18329,20 @@
 <file path=ppt/slides/slide5.xml><?xml version="1.0" encoding="utf-8"?>
 <p:sld xmlns:a="http://schemas.openxmlformats.org/drawingml/2006/main" xmlns:r="http://schemas.openxmlformats.org/officeDocument/2006/relationships" xmlns:p="http://schemas.openxmlformats.org/presentationml/2006/main">
   <p:cSld>
+    <p:bg>
+      <p:bgPr>
+        <a:blipFill dpi="0" rotWithShape="1">
+          <a:blip r:embed="rId2">
+            <a:lum/>
+          </a:blip>
+          <a:srcRect/>
+          <a:stretch>
+            <a:fillRect/>
+          </a:stretch>
+        </a:blipFill>
+        <a:effectLst/>
+      </p:bgPr>
+    </p:bg>
     <p:spTree>
       <p:nvGrpSpPr>
         <p:cNvPr id="1" name=""/>
@@ -18467,7 +18542,7 @@
               </a:pPr>
               <a:r>
                 <a:rPr lang="en-AU" sz="1600" dirty="0"/>
-                <a:t>for (</a:t>
+                <a:t>for(</a:t>
               </a:r>
               <a:r>
                 <a:rPr lang="en-AU" sz="1600" dirty="0">
@@ -18569,7 +18644,7 @@
                     </a:schemeClr>
                   </a:solidFill>
                 </a:rPr>
-                <a:t>    WriteLine(</a:t>
+                <a:t>  WriteLine(</a:t>
               </a:r>
               <a:r>
                 <a:rPr lang="en-AU" sz="1600" dirty="0" err="1">
@@ -18666,7 +18741,7 @@
               <p:nvPr/>
             </p:nvPicPr>
             <p:blipFill>
-              <a:blip r:embed="rId2">
+              <a:blip r:embed="rId3">
                 <a:alphaModFix amt="30000"/>
               </a:blip>
               <a:stretch>
@@ -20761,7 +20836,7 @@
             <p:nvPr/>
           </p:nvPicPr>
           <p:blipFill>
-            <a:blip r:embed="rId3">
+            <a:blip r:embed="rId4">
               <a:alphaModFix/>
             </a:blip>
             <a:stretch>
@@ -21416,6 +21491,20 @@
 <file path=ppt/slides/slide6.xml><?xml version="1.0" encoding="utf-8"?>
 <p:sld xmlns:a="http://schemas.openxmlformats.org/drawingml/2006/main" xmlns:r="http://schemas.openxmlformats.org/officeDocument/2006/relationships" xmlns:p="http://schemas.openxmlformats.org/presentationml/2006/main">
   <p:cSld>
+    <p:bg>
+      <p:bgPr>
+        <a:blipFill dpi="0" rotWithShape="1">
+          <a:blip r:embed="rId2">
+            <a:lum/>
+          </a:blip>
+          <a:srcRect/>
+          <a:stretch>
+            <a:fillRect/>
+          </a:stretch>
+        </a:blipFill>
+        <a:effectLst/>
+      </p:bgPr>
+    </p:bg>
     <p:spTree>
       <p:nvGrpSpPr>
         <p:cNvPr id="1" name=""/>
@@ -21609,7 +21698,7 @@
               </a:pPr>
               <a:r>
                 <a:rPr lang="en-AU" sz="1600" dirty="0"/>
-                <a:t>for (</a:t>
+                <a:t>for(</a:t>
               </a:r>
               <a:r>
                 <a:rPr lang="en-AU" sz="1600" dirty="0">
@@ -21729,7 +21818,7 @@
                     </a:schemeClr>
                   </a:solidFill>
                 </a:rPr>
-                <a:t>    WriteLine(</a:t>
+                <a:t>  WriteLine(</a:t>
               </a:r>
               <a:r>
                 <a:rPr lang="en-AU" sz="1600" dirty="0" err="1">
@@ -21826,7 +21915,7 @@
               <p:nvPr/>
             </p:nvPicPr>
             <p:blipFill>
-              <a:blip r:embed="rId2">
+              <a:blip r:embed="rId3">
                 <a:alphaModFix amt="30000"/>
               </a:blip>
               <a:stretch>
@@ -23926,7 +24015,7 @@
             <p:nvPr/>
           </p:nvPicPr>
           <p:blipFill>
-            <a:blip r:embed="rId3">
+            <a:blip r:embed="rId4">
               <a:alphaModFix amt="30000"/>
             </a:blip>
             <a:stretch>
@@ -24139,6 +24228,55 @@
           </a:p>
         </p:txBody>
       </p:sp>
+      <p:cxnSp>
+        <p:nvCxnSpPr>
+          <p:cNvPr id="10" name="Curved Connector 9">
+            <a:extLst>
+              <a:ext uri="{FF2B5EF4-FFF2-40B4-BE49-F238E27FC236}">
+                <a16:creationId xmlns:a16="http://schemas.microsoft.com/office/drawing/2014/main" id="{F5A2E5BD-8837-BD87-4508-236E4977ABE3}"/>
+              </a:ext>
+            </a:extLst>
+          </p:cNvPr>
+          <p:cNvCxnSpPr>
+            <a:cxnSpLocks/>
+          </p:cNvCxnSpPr>
+          <p:nvPr/>
+        </p:nvCxnSpPr>
+        <p:spPr>
+          <a:xfrm rot="10800000" flipV="1">
+            <a:off x="1083836" y="1960354"/>
+            <a:ext cx="3041855" cy="559802"/>
+          </a:xfrm>
+          <a:prstGeom prst="curvedConnector3">
+            <a:avLst>
+              <a:gd name="adj1" fmla="val -101"/>
+            </a:avLst>
+          </a:prstGeom>
+          <a:ln w="38100">
+            <a:solidFill>
+              <a:schemeClr val="accent2">
+                <a:lumMod val="75000"/>
+              </a:schemeClr>
+            </a:solidFill>
+            <a:headEnd type="none"/>
+            <a:tailEnd type="triangle"/>
+          </a:ln>
+        </p:spPr>
+        <p:style>
+          <a:lnRef idx="1">
+            <a:schemeClr val="accent1"/>
+          </a:lnRef>
+          <a:fillRef idx="0">
+            <a:schemeClr val="accent1"/>
+          </a:fillRef>
+          <a:effectRef idx="0">
+            <a:schemeClr val="accent1"/>
+          </a:effectRef>
+          <a:fontRef idx="minor">
+            <a:schemeClr val="tx1"/>
+          </a:fontRef>
+        </p:style>
+      </p:cxnSp>
       <p:sp>
         <p:nvSpPr>
           <p:cNvPr id="24" name="TextBox 23">
@@ -24624,55 +24762,6 @@
           </a:fontRef>
         </p:style>
       </p:cxnSp>
-      <p:cxnSp>
-        <p:nvCxnSpPr>
-          <p:cNvPr id="35" name="Curved Connector 34">
-            <a:extLst>
-              <a:ext uri="{FF2B5EF4-FFF2-40B4-BE49-F238E27FC236}">
-                <a16:creationId xmlns:a16="http://schemas.microsoft.com/office/drawing/2014/main" id="{522B2B11-64FD-A189-37FD-BF2B84DE41F0}"/>
-              </a:ext>
-            </a:extLst>
-          </p:cNvPr>
-          <p:cNvCxnSpPr>
-            <a:cxnSpLocks/>
-          </p:cNvCxnSpPr>
-          <p:nvPr/>
-        </p:nvCxnSpPr>
-        <p:spPr>
-          <a:xfrm rot="10800000" flipV="1">
-            <a:off x="1163782" y="1894110"/>
-            <a:ext cx="2787732" cy="626046"/>
-          </a:xfrm>
-          <a:prstGeom prst="curvedConnector3">
-            <a:avLst>
-              <a:gd name="adj1" fmla="val 50000"/>
-            </a:avLst>
-          </a:prstGeom>
-          <a:ln w="38100">
-            <a:solidFill>
-              <a:schemeClr val="accent2">
-                <a:lumMod val="75000"/>
-              </a:schemeClr>
-            </a:solidFill>
-            <a:headEnd type="none"/>
-            <a:tailEnd type="triangle"/>
-          </a:ln>
-        </p:spPr>
-        <p:style>
-          <a:lnRef idx="1">
-            <a:schemeClr val="accent1"/>
-          </a:lnRef>
-          <a:fillRef idx="0">
-            <a:schemeClr val="accent1"/>
-          </a:fillRef>
-          <a:effectRef idx="0">
-            <a:schemeClr val="accent1"/>
-          </a:effectRef>
-          <a:fontRef idx="minor">
-            <a:schemeClr val="tx1"/>
-          </a:fontRef>
-        </p:style>
-      </p:cxnSp>
     </p:spTree>
     <p:extLst>
       <p:ext uri="{BB962C8B-B14F-4D97-AF65-F5344CB8AC3E}">
@@ -24689,6 +24778,20 @@
 <file path=ppt/slides/slide7.xml><?xml version="1.0" encoding="utf-8"?>
 <p:sld xmlns:a="http://schemas.openxmlformats.org/drawingml/2006/main" xmlns:r="http://schemas.openxmlformats.org/officeDocument/2006/relationships" xmlns:p="http://schemas.openxmlformats.org/presentationml/2006/main">
   <p:cSld>
+    <p:bg>
+      <p:bgPr>
+        <a:blipFill dpi="0" rotWithShape="1">
+          <a:blip r:embed="rId2">
+            <a:lum/>
+          </a:blip>
+          <a:srcRect/>
+          <a:stretch>
+            <a:fillRect/>
+          </a:stretch>
+        </a:blipFill>
+        <a:effectLst/>
+      </p:bgPr>
+    </p:bg>
     <p:spTree>
       <p:nvGrpSpPr>
         <p:cNvPr id="1" name=""/>
@@ -24906,7 +25009,7 @@
                     </a:schemeClr>
                   </a:solidFill>
                 </a:rPr>
-                <a:t>for (int </a:t>
+                <a:t>for(int </a:t>
               </a:r>
               <a:r>
                 <a:rPr lang="en-AU" sz="1600" dirty="0" err="1">
@@ -24986,7 +25089,7 @@
               </a:pPr>
               <a:r>
                 <a:rPr lang="en-AU" sz="1600" dirty="0"/>
-                <a:t>    WriteLine(</a:t>
+                <a:t>  WriteLine(</a:t>
               </a:r>
               <a:r>
                 <a:rPr lang="en-AU" sz="1600" dirty="0" err="1"/>
@@ -25071,7 +25174,7 @@
               <p:nvPr/>
             </p:nvPicPr>
             <p:blipFill>
-              <a:blip r:embed="rId2">
+              <a:blip r:embed="rId3">
                 <a:alphaModFix amt="30000"/>
               </a:blip>
               <a:stretch>
@@ -27166,7 +27269,7 @@
             <p:nvPr/>
           </p:nvPicPr>
           <p:blipFill>
-            <a:blip r:embed="rId3">
+            <a:blip r:embed="rId4">
               <a:alphaModFix/>
             </a:blip>
             <a:stretch>
@@ -27823,6 +27926,20 @@
 <file path=ppt/slides/slide8.xml><?xml version="1.0" encoding="utf-8"?>
 <p:sld xmlns:a="http://schemas.openxmlformats.org/drawingml/2006/main" xmlns:r="http://schemas.openxmlformats.org/officeDocument/2006/relationships" xmlns:p="http://schemas.openxmlformats.org/presentationml/2006/main">
   <p:cSld>
+    <p:bg>
+      <p:bgPr>
+        <a:blipFill dpi="0" rotWithShape="1">
+          <a:blip r:embed="rId2">
+            <a:lum/>
+          </a:blip>
+          <a:srcRect/>
+          <a:stretch>
+            <a:fillRect/>
+          </a:stretch>
+        </a:blipFill>
+        <a:effectLst/>
+      </p:bgPr>
+    </p:bg>
     <p:spTree>
       <p:nvGrpSpPr>
         <p:cNvPr id="1" name=""/>
@@ -28040,7 +28157,7 @@
               </a:pPr>
               <a:r>
                 <a:rPr lang="en-AU" sz="1600" dirty="0"/>
-                <a:t>for (</a:t>
+                <a:t>for(</a:t>
               </a:r>
               <a:r>
                 <a:rPr lang="en-AU" sz="1600" dirty="0">
@@ -28142,7 +28259,7 @@
                     </a:schemeClr>
                   </a:solidFill>
                 </a:rPr>
-                <a:t>    WriteLine(</a:t>
+                <a:t>  WriteLine(</a:t>
               </a:r>
               <a:r>
                 <a:rPr lang="en-AU" sz="1600" dirty="0" err="1">
@@ -28239,7 +28356,7 @@
               <p:nvPr/>
             </p:nvPicPr>
             <p:blipFill>
-              <a:blip r:embed="rId2">
+              <a:blip r:embed="rId3">
                 <a:alphaModFix amt="30000"/>
               </a:blip>
               <a:stretch>
@@ -30334,7 +30451,7 @@
             <p:nvPr/>
           </p:nvPicPr>
           <p:blipFill>
-            <a:blip r:embed="rId3">
+            <a:blip r:embed="rId4">
               <a:alphaModFix/>
             </a:blip>
             <a:stretch>
@@ -30973,6 +31090,272 @@
           </a:fontRef>
         </p:style>
       </p:cxnSp>
+      <p:sp>
+        <p:nvSpPr>
+          <p:cNvPr id="30" name="Rectangle 29">
+            <a:extLst>
+              <a:ext uri="{FF2B5EF4-FFF2-40B4-BE49-F238E27FC236}">
+                <a16:creationId xmlns:a16="http://schemas.microsoft.com/office/drawing/2014/main" id="{5BE3BAA8-F20D-F633-0652-9D6040A63B21}"/>
+              </a:ext>
+            </a:extLst>
+          </p:cNvPr>
+          <p:cNvSpPr/>
+          <p:nvPr/>
+        </p:nvSpPr>
+        <p:spPr>
+          <a:xfrm>
+            <a:off x="5118991" y="637407"/>
+            <a:ext cx="2127795" cy="1234935"/>
+          </a:xfrm>
+          <a:custGeom>
+            <a:avLst/>
+            <a:gdLst>
+              <a:gd name="connsiteX0" fmla="*/ 0 w 2127795"/>
+              <a:gd name="connsiteY0" fmla="*/ 0 h 1234935"/>
+              <a:gd name="connsiteX1" fmla="*/ 510671 w 2127795"/>
+              <a:gd name="connsiteY1" fmla="*/ 0 h 1234935"/>
+              <a:gd name="connsiteX2" fmla="*/ 1042620 w 2127795"/>
+              <a:gd name="connsiteY2" fmla="*/ 0 h 1234935"/>
+              <a:gd name="connsiteX3" fmla="*/ 1595846 w 2127795"/>
+              <a:gd name="connsiteY3" fmla="*/ 0 h 1234935"/>
+              <a:gd name="connsiteX4" fmla="*/ 2127795 w 2127795"/>
+              <a:gd name="connsiteY4" fmla="*/ 0 h 1234935"/>
+              <a:gd name="connsiteX5" fmla="*/ 2127795 w 2127795"/>
+              <a:gd name="connsiteY5" fmla="*/ 629817 h 1234935"/>
+              <a:gd name="connsiteX6" fmla="*/ 2127795 w 2127795"/>
+              <a:gd name="connsiteY6" fmla="*/ 1234935 h 1234935"/>
+              <a:gd name="connsiteX7" fmla="*/ 1553290 w 2127795"/>
+              <a:gd name="connsiteY7" fmla="*/ 1234935 h 1234935"/>
+              <a:gd name="connsiteX8" fmla="*/ 978786 w 2127795"/>
+              <a:gd name="connsiteY8" fmla="*/ 1234935 h 1234935"/>
+              <a:gd name="connsiteX9" fmla="*/ 0 w 2127795"/>
+              <a:gd name="connsiteY9" fmla="*/ 1234935 h 1234935"/>
+              <a:gd name="connsiteX10" fmla="*/ 0 w 2127795"/>
+              <a:gd name="connsiteY10" fmla="*/ 629817 h 1234935"/>
+              <a:gd name="connsiteX11" fmla="*/ 0 w 2127795"/>
+              <a:gd name="connsiteY11" fmla="*/ 0 h 1234935"/>
+            </a:gdLst>
+            <a:ahLst/>
+            <a:cxnLst>
+              <a:cxn ang="0">
+                <a:pos x="connsiteX0" y="connsiteY0"/>
+              </a:cxn>
+              <a:cxn ang="0">
+                <a:pos x="connsiteX1" y="connsiteY1"/>
+              </a:cxn>
+              <a:cxn ang="0">
+                <a:pos x="connsiteX2" y="connsiteY2"/>
+              </a:cxn>
+              <a:cxn ang="0">
+                <a:pos x="connsiteX3" y="connsiteY3"/>
+              </a:cxn>
+              <a:cxn ang="0">
+                <a:pos x="connsiteX4" y="connsiteY4"/>
+              </a:cxn>
+              <a:cxn ang="0">
+                <a:pos x="connsiteX5" y="connsiteY5"/>
+              </a:cxn>
+              <a:cxn ang="0">
+                <a:pos x="connsiteX6" y="connsiteY6"/>
+              </a:cxn>
+              <a:cxn ang="0">
+                <a:pos x="connsiteX7" y="connsiteY7"/>
+              </a:cxn>
+              <a:cxn ang="0">
+                <a:pos x="connsiteX8" y="connsiteY8"/>
+              </a:cxn>
+              <a:cxn ang="0">
+                <a:pos x="connsiteX9" y="connsiteY9"/>
+              </a:cxn>
+              <a:cxn ang="0">
+                <a:pos x="connsiteX10" y="connsiteY10"/>
+              </a:cxn>
+              <a:cxn ang="0">
+                <a:pos x="connsiteX11" y="connsiteY11"/>
+              </a:cxn>
+            </a:cxnLst>
+            <a:rect l="l" t="t" r="r" b="b"/>
+            <a:pathLst>
+              <a:path w="2127795" h="1234935" fill="none" extrusionOk="0">
+                <a:moveTo>
+                  <a:pt x="0" y="0"/>
+                </a:moveTo>
+                <a:cubicBezTo>
+                  <a:pt x="119302" y="-23815"/>
+                  <a:pt x="321953" y="-4268"/>
+                  <a:pt x="510671" y="0"/>
+                </a:cubicBezTo>
+                <a:cubicBezTo>
+                  <a:pt x="699389" y="4268"/>
+                  <a:pt x="838038" y="-4296"/>
+                  <a:pt x="1042620" y="0"/>
+                </a:cubicBezTo>
+                <a:cubicBezTo>
+                  <a:pt x="1247202" y="4296"/>
+                  <a:pt x="1418238" y="-20161"/>
+                  <a:pt x="1595846" y="0"/>
+                </a:cubicBezTo>
+                <a:cubicBezTo>
+                  <a:pt x="1773454" y="20161"/>
+                  <a:pt x="1930348" y="288"/>
+                  <a:pt x="2127795" y="0"/>
+                </a:cubicBezTo>
+                <a:cubicBezTo>
+                  <a:pt x="2157931" y="299914"/>
+                  <a:pt x="2132405" y="354606"/>
+                  <a:pt x="2127795" y="629817"/>
+                </a:cubicBezTo>
+                <a:cubicBezTo>
+                  <a:pt x="2123185" y="905028"/>
+                  <a:pt x="2121256" y="1110594"/>
+                  <a:pt x="2127795" y="1234935"/>
+                </a:cubicBezTo>
+                <a:cubicBezTo>
+                  <a:pt x="1890946" y="1251567"/>
+                  <a:pt x="1709293" y="1231838"/>
+                  <a:pt x="1553290" y="1234935"/>
+                </a:cubicBezTo>
+                <a:cubicBezTo>
+                  <a:pt x="1397287" y="1238032"/>
+                  <a:pt x="1242166" y="1239590"/>
+                  <a:pt x="978786" y="1234935"/>
+                </a:cubicBezTo>
+                <a:cubicBezTo>
+                  <a:pt x="715406" y="1230280"/>
+                  <a:pt x="281211" y="1234762"/>
+                  <a:pt x="0" y="1234935"/>
+                </a:cubicBezTo>
+                <a:cubicBezTo>
+                  <a:pt x="24760" y="1016687"/>
+                  <a:pt x="-16769" y="890304"/>
+                  <a:pt x="0" y="629817"/>
+                </a:cubicBezTo>
+                <a:cubicBezTo>
+                  <a:pt x="16769" y="369330"/>
+                  <a:pt x="14535" y="154799"/>
+                  <a:pt x="0" y="0"/>
+                </a:cubicBezTo>
+                <a:close/>
+              </a:path>
+              <a:path w="2127795" h="1234935" stroke="0" extrusionOk="0">
+                <a:moveTo>
+                  <a:pt x="0" y="0"/>
+                </a:moveTo>
+                <a:cubicBezTo>
+                  <a:pt x="171248" y="-8495"/>
+                  <a:pt x="325453" y="21877"/>
+                  <a:pt x="510671" y="0"/>
+                </a:cubicBezTo>
+                <a:cubicBezTo>
+                  <a:pt x="695889" y="-21877"/>
+                  <a:pt x="802356" y="-16277"/>
+                  <a:pt x="978786" y="0"/>
+                </a:cubicBezTo>
+                <a:cubicBezTo>
+                  <a:pt x="1155217" y="16277"/>
+                  <a:pt x="1321550" y="15209"/>
+                  <a:pt x="1553290" y="0"/>
+                </a:cubicBezTo>
+                <a:cubicBezTo>
+                  <a:pt x="1785030" y="-15209"/>
+                  <a:pt x="1999571" y="-24705"/>
+                  <a:pt x="2127795" y="0"/>
+                </a:cubicBezTo>
+                <a:cubicBezTo>
+                  <a:pt x="2115851" y="174757"/>
+                  <a:pt x="2100076" y="443170"/>
+                  <a:pt x="2127795" y="605118"/>
+                </a:cubicBezTo>
+                <a:cubicBezTo>
+                  <a:pt x="2155514" y="767066"/>
+                  <a:pt x="2134161" y="1036723"/>
+                  <a:pt x="2127795" y="1234935"/>
+                </a:cubicBezTo>
+                <a:cubicBezTo>
+                  <a:pt x="1970448" y="1216625"/>
+                  <a:pt x="1767058" y="1224671"/>
+                  <a:pt x="1595846" y="1234935"/>
+                </a:cubicBezTo>
+                <a:cubicBezTo>
+                  <a:pt x="1424634" y="1245199"/>
+                  <a:pt x="1144488" y="1230558"/>
+                  <a:pt x="1021342" y="1234935"/>
+                </a:cubicBezTo>
+                <a:cubicBezTo>
+                  <a:pt x="898196" y="1239312"/>
+                  <a:pt x="704334" y="1223412"/>
+                  <a:pt x="553227" y="1234935"/>
+                </a:cubicBezTo>
+                <a:cubicBezTo>
+                  <a:pt x="402121" y="1246458"/>
+                  <a:pt x="151220" y="1245336"/>
+                  <a:pt x="0" y="1234935"/>
+                </a:cubicBezTo>
+                <a:cubicBezTo>
+                  <a:pt x="13954" y="933914"/>
+                  <a:pt x="-64" y="841436"/>
+                  <a:pt x="0" y="617468"/>
+                </a:cubicBezTo>
+                <a:cubicBezTo>
+                  <a:pt x="64" y="393500"/>
+                  <a:pt x="4866" y="238355"/>
+                  <a:pt x="0" y="0"/>
+                </a:cubicBezTo>
+                <a:close/>
+              </a:path>
+            </a:pathLst>
+          </a:custGeom>
+          <a:solidFill>
+            <a:schemeClr val="accent4">
+              <a:lumMod val="60000"/>
+              <a:lumOff val="40000"/>
+            </a:schemeClr>
+          </a:solidFill>
+          <a:ln w="12700">
+            <a:solidFill>
+              <a:schemeClr val="tx1"/>
+            </a:solidFill>
+            <a:extLst>
+              <a:ext uri="{C807C97D-BFC1-408E-A445-0C87EB9F89A2}">
+                <ask:lineSketchStyleProps xmlns:ask="http://schemas.microsoft.com/office/drawing/2018/sketchyshapes" sd="1219033472">
+                  <a:prstGeom prst="rect">
+                    <a:avLst/>
+                  </a:prstGeom>
+                  <ask:type>
+                    <ask:lineSketchFreehand/>
+                  </ask:type>
+                </ask:lineSketchStyleProps>
+              </a:ext>
+            </a:extLst>
+          </a:ln>
+          <a:effectLst/>
+        </p:spPr>
+        <p:style>
+          <a:lnRef idx="1">
+            <a:schemeClr val="accent4"/>
+          </a:lnRef>
+          <a:fillRef idx="2">
+            <a:schemeClr val="accent4"/>
+          </a:fillRef>
+          <a:effectRef idx="1">
+            <a:schemeClr val="accent4"/>
+          </a:effectRef>
+          <a:fontRef idx="minor">
+            <a:schemeClr val="dk1"/>
+          </a:fontRef>
+        </p:style>
+        <p:txBody>
+          <a:bodyPr rtlCol="0" anchor="ctr"/>
+          <a:lstStyle/>
+          <a:p>
+            <a:pPr algn="ctr"/>
+            <a:r>
+              <a:rPr lang="en-US" sz="1600" dirty="0"/>
+              <a:t>Let’s jump ahead: 7, 8 and 9 have been printed and the counter is back at 4c </a:t>
+            </a:r>
+          </a:p>
+        </p:txBody>
+      </p:sp>
     </p:spTree>
     <p:extLst>
       <p:ext uri="{BB962C8B-B14F-4D97-AF65-F5344CB8AC3E}">
@@ -30989,6 +31372,20 @@
 <file path=ppt/slides/slide9.xml><?xml version="1.0" encoding="utf-8"?>
 <p:sld xmlns:a="http://schemas.openxmlformats.org/drawingml/2006/main" xmlns:r="http://schemas.openxmlformats.org/officeDocument/2006/relationships" xmlns:p="http://schemas.openxmlformats.org/presentationml/2006/main">
   <p:cSld>
+    <p:bg>
+      <p:bgPr>
+        <a:blipFill dpi="0" rotWithShape="1">
+          <a:blip r:embed="rId2">
+            <a:lum/>
+          </a:blip>
+          <a:srcRect/>
+          <a:stretch>
+            <a:fillRect/>
+          </a:stretch>
+        </a:blipFill>
+        <a:effectLst/>
+      </p:bgPr>
+    </p:bg>
     <p:spTree>
       <p:nvGrpSpPr>
         <p:cNvPr id="1" name=""/>
@@ -31141,7 +31538,7 @@
               </a:pPr>
               <a:r>
                 <a:rPr lang="en-AU" sz="1600" dirty="0"/>
-                <a:t>for (</a:t>
+                <a:t>for(</a:t>
               </a:r>
               <a:r>
                 <a:rPr lang="en-AU" sz="1600" dirty="0">
@@ -31261,7 +31658,7 @@
                     </a:schemeClr>
                   </a:solidFill>
                 </a:rPr>
-                <a:t>    WriteLine(</a:t>
+                <a:t>  WriteLine(</a:t>
               </a:r>
               <a:r>
                 <a:rPr lang="en-AU" sz="1600" dirty="0" err="1">
@@ -31358,7 +31755,7 @@
               <p:nvPr/>
             </p:nvPicPr>
             <p:blipFill>
-              <a:blip r:embed="rId2">
+              <a:blip r:embed="rId3">
                 <a:alphaModFix amt="30000"/>
               </a:blip>
               <a:stretch>
@@ -33458,7 +33855,7 @@
             <p:nvPr/>
           </p:nvPicPr>
           <p:blipFill>
-            <a:blip r:embed="rId3">
+            <a:blip r:embed="rId4">
               <a:alphaModFix amt="30000"/>
             </a:blip>
             <a:stretch>
